--- a/Chapter_3/figures/traj_new/1e-06_0_05/1e06005new.pptx
+++ b/Chapter_3/figures/traj_new/1e-06_0_05/1e06005new.pptx
@@ -243,7 +243,7 @@
           <a:p>
             <a:fld id="{1C0919E1-D14B-5742-A0E3-494DF3A485BC}" type="datetimeFigureOut">
               <a:rPr lang="en-US" smtClean="0"/>
-              <a:t>4/4/24</a:t>
+              <a:t>4/5/24</a:t>
             </a:fld>
             <a:endParaRPr lang="en-US"/>
           </a:p>
@@ -413,7 +413,7 @@
           <a:p>
             <a:fld id="{1C0919E1-D14B-5742-A0E3-494DF3A485BC}" type="datetimeFigureOut">
               <a:rPr lang="en-US" smtClean="0"/>
-              <a:t>4/4/24</a:t>
+              <a:t>4/5/24</a:t>
             </a:fld>
             <a:endParaRPr lang="en-US"/>
           </a:p>
@@ -593,7 +593,7 @@
           <a:p>
             <a:fld id="{1C0919E1-D14B-5742-A0E3-494DF3A485BC}" type="datetimeFigureOut">
               <a:rPr lang="en-US" smtClean="0"/>
-              <a:t>4/4/24</a:t>
+              <a:t>4/5/24</a:t>
             </a:fld>
             <a:endParaRPr lang="en-US"/>
           </a:p>
@@ -763,7 +763,7 @@
           <a:p>
             <a:fld id="{1C0919E1-D14B-5742-A0E3-494DF3A485BC}" type="datetimeFigureOut">
               <a:rPr lang="en-US" smtClean="0"/>
-              <a:t>4/4/24</a:t>
+              <a:t>4/5/24</a:t>
             </a:fld>
             <a:endParaRPr lang="en-US"/>
           </a:p>
@@ -1009,7 +1009,7 @@
           <a:p>
             <a:fld id="{1C0919E1-D14B-5742-A0E3-494DF3A485BC}" type="datetimeFigureOut">
               <a:rPr lang="en-US" smtClean="0"/>
-              <a:t>4/4/24</a:t>
+              <a:t>4/5/24</a:t>
             </a:fld>
             <a:endParaRPr lang="en-US"/>
           </a:p>
@@ -1241,7 +1241,7 @@
           <a:p>
             <a:fld id="{1C0919E1-D14B-5742-A0E3-494DF3A485BC}" type="datetimeFigureOut">
               <a:rPr lang="en-US" smtClean="0"/>
-              <a:t>4/4/24</a:t>
+              <a:t>4/5/24</a:t>
             </a:fld>
             <a:endParaRPr lang="en-US"/>
           </a:p>
@@ -1608,7 +1608,7 @@
           <a:p>
             <a:fld id="{1C0919E1-D14B-5742-A0E3-494DF3A485BC}" type="datetimeFigureOut">
               <a:rPr lang="en-US" smtClean="0"/>
-              <a:t>4/4/24</a:t>
+              <a:t>4/5/24</a:t>
             </a:fld>
             <a:endParaRPr lang="en-US"/>
           </a:p>
@@ -1726,7 +1726,7 @@
           <a:p>
             <a:fld id="{1C0919E1-D14B-5742-A0E3-494DF3A485BC}" type="datetimeFigureOut">
               <a:rPr lang="en-US" smtClean="0"/>
-              <a:t>4/4/24</a:t>
+              <a:t>4/5/24</a:t>
             </a:fld>
             <a:endParaRPr lang="en-US"/>
           </a:p>
@@ -1821,7 +1821,7 @@
           <a:p>
             <a:fld id="{1C0919E1-D14B-5742-A0E3-494DF3A485BC}" type="datetimeFigureOut">
               <a:rPr lang="en-US" smtClean="0"/>
-              <a:t>4/4/24</a:t>
+              <a:t>4/5/24</a:t>
             </a:fld>
             <a:endParaRPr lang="en-US"/>
           </a:p>
@@ -2098,7 +2098,7 @@
           <a:p>
             <a:fld id="{1C0919E1-D14B-5742-A0E3-494DF3A485BC}" type="datetimeFigureOut">
               <a:rPr lang="en-US" smtClean="0"/>
-              <a:t>4/4/24</a:t>
+              <a:t>4/5/24</a:t>
             </a:fld>
             <a:endParaRPr lang="en-US"/>
           </a:p>
@@ -2355,7 +2355,7 @@
           <a:p>
             <a:fld id="{1C0919E1-D14B-5742-A0E3-494DF3A485BC}" type="datetimeFigureOut">
               <a:rPr lang="en-US" smtClean="0"/>
-              <a:t>4/4/24</a:t>
+              <a:t>4/5/24</a:t>
             </a:fld>
             <a:endParaRPr lang="en-US"/>
           </a:p>
@@ -2568,7 +2568,7 @@
           <a:p>
             <a:fld id="{1C0919E1-D14B-5742-A0E3-494DF3A485BC}" type="datetimeFigureOut">
               <a:rPr lang="en-US" smtClean="0"/>
-              <a:t>4/4/24</a:t>
+              <a:t>4/5/24</a:t>
             </a:fld>
             <a:endParaRPr lang="en-US"/>
           </a:p>
@@ -2995,7 +2995,7 @@
         <p:spPr>
           <a:xfrm>
             <a:off x="-269488" y="4745040"/>
-            <a:ext cx="3908501" cy="2345101"/>
+            <a:ext cx="3908501" cy="2345100"/>
           </a:xfrm>
           <a:prstGeom prst="rect">
             <a:avLst/>
@@ -3024,7 +3024,7 @@
         <p:spPr>
           <a:xfrm>
             <a:off x="3317487" y="4747317"/>
-            <a:ext cx="3908501" cy="2345100"/>
+            <a:ext cx="3908500" cy="2345100"/>
           </a:xfrm>
           <a:prstGeom prst="rect">
             <a:avLst/>
@@ -3140,7 +3140,7 @@
         <p:spPr>
           <a:xfrm>
             <a:off x="3317489" y="57111"/>
-            <a:ext cx="3908501" cy="2345101"/>
+            <a:ext cx="3908501" cy="2345100"/>
           </a:xfrm>
           <a:prstGeom prst="rect">
             <a:avLst/>
@@ -3169,7 +3169,7 @@
         <p:spPr>
           <a:xfrm>
             <a:off x="-269488" y="2406764"/>
-            <a:ext cx="3908501" cy="2345101"/>
+            <a:ext cx="3908501" cy="2345100"/>
           </a:xfrm>
           <a:prstGeom prst="rect">
             <a:avLst/>
@@ -3198,7 +3198,7 @@
         <p:spPr>
           <a:xfrm>
             <a:off x="3317489" y="2402213"/>
-            <a:ext cx="3908501" cy="2345101"/>
+            <a:ext cx="3908501" cy="2345100"/>
           </a:xfrm>
           <a:prstGeom prst="rect">
             <a:avLst/>
